--- a/01 - introduction.pptx
+++ b/01 - introduction.pptx
@@ -487,7 +487,7 @@
             <a:fld id="{BF669CD5-EC14-4DE5-86A6-D9133CD12038}" type="datetimeFigureOut">
               <a:rPr lang="en-GB" smtClean="0"/>
               <a:pPr/>
-              <a:t>24/03/2018</a:t>
+              <a:t>25/03/2018</a:t>
             </a:fld>
             <a:endParaRPr lang="en-GB"/>
           </a:p>
@@ -748,7 +748,7 @@
             <a:fld id="{BF669CD5-EC14-4DE5-86A6-D9133CD12038}" type="datetimeFigureOut">
               <a:rPr lang="en-GB" smtClean="0"/>
               <a:pPr/>
-              <a:t>24/03/2018</a:t>
+              <a:t>25/03/2018</a:t>
             </a:fld>
             <a:endParaRPr lang="en-GB"/>
           </a:p>
@@ -1017,7 +1017,7 @@
             <a:fld id="{BF669CD5-EC14-4DE5-86A6-D9133CD12038}" type="datetimeFigureOut">
               <a:rPr lang="en-GB" smtClean="0"/>
               <a:pPr/>
-              <a:t>24/03/2018</a:t>
+              <a:t>25/03/2018</a:t>
             </a:fld>
             <a:endParaRPr lang="en-GB"/>
           </a:p>
@@ -1268,7 +1268,7 @@
             <a:fld id="{BF669CD5-EC14-4DE5-86A6-D9133CD12038}" type="datetimeFigureOut">
               <a:rPr lang="en-GB" smtClean="0"/>
               <a:pPr/>
-              <a:t>24/03/2018</a:t>
+              <a:t>25/03/2018</a:t>
             </a:fld>
             <a:endParaRPr lang="en-GB"/>
           </a:p>
@@ -1664,7 +1664,7 @@
             <a:fld id="{BF669CD5-EC14-4DE5-86A6-D9133CD12038}" type="datetimeFigureOut">
               <a:rPr lang="en-GB" smtClean="0"/>
               <a:pPr/>
-              <a:t>24/03/2018</a:t>
+              <a:t>25/03/2018</a:t>
             </a:fld>
             <a:endParaRPr lang="en-GB"/>
           </a:p>
@@ -2205,7 +2205,7 @@
             <a:fld id="{BF669CD5-EC14-4DE5-86A6-D9133CD12038}" type="datetimeFigureOut">
               <a:rPr lang="en-GB" smtClean="0"/>
               <a:pPr/>
-              <a:t>24/03/2018</a:t>
+              <a:t>25/03/2018</a:t>
             </a:fld>
             <a:endParaRPr lang="en-GB"/>
           </a:p>
@@ -2381,7 +2381,7 @@
             <a:fld id="{BF669CD5-EC14-4DE5-86A6-D9133CD12038}" type="datetimeFigureOut">
               <a:rPr lang="en-GB" smtClean="0"/>
               <a:pPr/>
-              <a:t>24/03/2018</a:t>
+              <a:t>25/03/2018</a:t>
             </a:fld>
             <a:endParaRPr lang="en-GB"/>
           </a:p>
@@ -2525,7 +2525,7 @@
             <a:fld id="{BF669CD5-EC14-4DE5-86A6-D9133CD12038}" type="datetimeFigureOut">
               <a:rPr lang="en-GB" smtClean="0"/>
               <a:pPr/>
-              <a:t>24/03/2018</a:t>
+              <a:t>25/03/2018</a:t>
             </a:fld>
             <a:endParaRPr lang="en-GB"/>
           </a:p>
@@ -2886,7 +2886,7 @@
             <a:fld id="{BF669CD5-EC14-4DE5-86A6-D9133CD12038}" type="datetimeFigureOut">
               <a:rPr lang="en-GB" smtClean="0"/>
               <a:pPr/>
-              <a:t>24/03/2018</a:t>
+              <a:t>25/03/2018</a:t>
             </a:fld>
             <a:endParaRPr lang="en-GB"/>
           </a:p>
@@ -3204,7 +3204,7 @@
             <a:fld id="{BF669CD5-EC14-4DE5-86A6-D9133CD12038}" type="datetimeFigureOut">
               <a:rPr lang="en-GB" smtClean="0"/>
               <a:pPr/>
-              <a:t>24/03/2018</a:t>
+              <a:t>25/03/2018</a:t>
             </a:fld>
             <a:endParaRPr lang="en-GB"/>
           </a:p>
@@ -3475,7 +3475,7 @@
             <a:fld id="{BF669CD5-EC14-4DE5-86A6-D9133CD12038}" type="datetimeFigureOut">
               <a:rPr lang="en-GB" smtClean="0"/>
               <a:pPr/>
-              <a:t>24/03/2018</a:t>
+              <a:t>25/03/2018</a:t>
             </a:fld>
             <a:endParaRPr lang="en-GB" dirty="0"/>
           </a:p>
@@ -4344,7 +4344,11 @@
             </a:r>
             <a:r>
               <a:rPr lang="en-CA" dirty="0"/>
-              <a:t>parallelism: Some assembly required. . . </a:t>
+              <a:t>parallelism: Some assembly required. </a:t>
+            </a:r>
+            <a:r>
+              <a:rPr lang="en-CA" dirty="0" smtClean="0"/>
+              <a:t> </a:t>
             </a:r>
             <a:endParaRPr lang="en-CA" dirty="0" smtClean="0"/>
           </a:p>
@@ -5602,15 +5606,7 @@
           <a:p>
             <a:r>
               <a:rPr lang="en-US" dirty="0" smtClean="0"/>
-              <a:t>My </a:t>
-            </a:r>
-            <a:r>
-              <a:rPr lang="en-US" dirty="0" smtClean="0"/>
-              <a:t>name is Michael </a:t>
-            </a:r>
-            <a:r>
-              <a:rPr lang="en-US" dirty="0" smtClean="0"/>
-              <a:t>Yan</a:t>
+              <a:t>My name is Michael Yan</a:t>
             </a:r>
           </a:p>
           <a:p>
@@ -5628,14 +5624,14 @@
           <p:nvPr>
             <p:extLst>
               <p:ext uri="{D42A27DB-BD31-4B8C-83A1-F6EECF244321}">
-                <p14:modId xmlns:p14="http://schemas.microsoft.com/office/powerpoint/2010/main" val="762850807"/>
+                <p14:modId xmlns:p14="http://schemas.microsoft.com/office/powerpoint/2010/main" val="1126577335"/>
               </p:ext>
             </p:extLst>
           </p:nvPr>
         </p:nvGraphicFramePr>
         <p:xfrm>
-          <a:off x="1574800" y="2497284"/>
-          <a:ext cx="2311400" cy="2464184"/>
+          <a:off x="1227667" y="3106501"/>
+          <a:ext cx="2311400" cy="2921437"/>
         </p:xfrm>
         <a:graphic>
           <a:graphicData uri="http://schemas.openxmlformats.org/drawingml/2006/table">
@@ -5646,22 +5642,22 @@
                 <a:gridCol w="947952"/>
               </a:tblGrid>
               <a:tr h="457253">
-                <a:tc>
+                <a:tc gridSpan="2">
                   <a:txBody>
                     <a:bodyPr/>
                     <a:lstStyle/>
                     <a:p>
-                      <a:pPr defTabSz="914400">
+                      <a:pPr algn="ctr" defTabSz="914400">
                         <a:defRPr sz="1800"/>
                       </a:pPr>
                       <a:r>
-                        <a:rPr sz="1200" dirty="0" smtClean="0">
+                        <a:rPr lang="en-US" sz="1200" dirty="0" smtClean="0">
                           <a:latin typeface="Source Sans Pro"/>
                           <a:ea typeface="Source Sans Pro"/>
                           <a:cs typeface="Source Sans Pro"/>
                           <a:sym typeface="Source Sans Pro"/>
                         </a:rPr>
-                        <a:t>Introduction</a:t>
+                        <a:t>Day 1</a:t>
                       </a:r>
                       <a:endParaRPr sz="1200" dirty="0">
                         <a:latin typeface="Source Sans Pro"/>
@@ -5678,17 +5674,132 @@
                       </a:solidFill>
                       <a:miter lim="400000"/>
                     </a:lnL>
-                    <a:lnR w="63500">
-                      <a:solidFill>
-                        <a:srgbClr val="FFFFFF"/>
-                      </a:solidFill>
-                      <a:miter lim="400000"/>
+                    <a:lnR w="63500" cap="flat" cmpd="sng" algn="ctr">
+                      <a:solidFill>
+                        <a:srgbClr val="FFFFFF"/>
+                      </a:solidFill>
+                      <a:prstDash val="solid"/>
+                      <a:miter lim="400000"/>
+                      <a:headEnd type="none" w="med" len="med"/>
+                      <a:tailEnd type="none" w="med" len="med"/>
                     </a:lnR>
                     <a:lnT w="63500">
                       <a:solidFill>
                         <a:srgbClr val="FFFFFF"/>
                       </a:solidFill>
                       <a:miter lim="400000"/>
+                    </a:lnT>
+                    <a:lnB w="63500" cap="flat" cmpd="sng" algn="ctr">
+                      <a:solidFill>
+                        <a:srgbClr val="FFFFFF"/>
+                      </a:solidFill>
+                      <a:prstDash val="solid"/>
+                      <a:miter lim="400000"/>
+                      <a:headEnd type="none" w="med" len="med"/>
+                      <a:tailEnd type="none" w="med" len="med"/>
+                    </a:lnB>
+                    <a:solidFill>
+                      <a:srgbClr val="EBEBEB"/>
+                    </a:solidFill>
+                  </a:tcPr>
+                </a:tc>
+                <a:tc hMerge="1">
+                  <a:txBody>
+                    <a:bodyPr/>
+                    <a:lstStyle/>
+                    <a:p>
+                      <a:pPr defTabSz="914400">
+                        <a:defRPr sz="1800"/>
+                      </a:pPr>
+                      <a:endParaRPr sz="1000" dirty="0">
+                        <a:latin typeface="Source Sans Pro"/>
+                        <a:ea typeface="Source Sans Pro"/>
+                        <a:cs typeface="Source Sans Pro"/>
+                        <a:sym typeface="Source Sans Pro"/>
+                      </a:endParaRPr>
+                    </a:p>
+                  </a:txBody>
+                  <a:tcPr marL="22121" marR="22121" marT="22121" marB="22121" anchor="ctr" horzOverflow="overflow">
+                    <a:lnL w="63500" cap="flat" cmpd="sng" algn="ctr">
+                      <a:solidFill>
+                        <a:srgbClr val="FFFFFF"/>
+                      </a:solidFill>
+                      <a:prstDash val="solid"/>
+                      <a:miter lim="400000"/>
+                      <a:headEnd type="none" w="med" len="med"/>
+                      <a:tailEnd type="none" w="med" len="med"/>
+                    </a:lnL>
+                    <a:lnR w="63500">
+                      <a:solidFill>
+                        <a:srgbClr val="FFFFFF"/>
+                      </a:solidFill>
+                      <a:miter lim="400000"/>
+                    </a:lnR>
+                    <a:lnT w="63500">
+                      <a:solidFill>
+                        <a:srgbClr val="FFFFFF"/>
+                      </a:solidFill>
+                      <a:miter lim="400000"/>
+                    </a:lnT>
+                    <a:lnB w="63500">
+                      <a:solidFill>
+                        <a:srgbClr val="FFFFFF"/>
+                      </a:solidFill>
+                      <a:miter lim="400000"/>
+                    </a:lnB>
+                    <a:solidFill>
+                      <a:srgbClr val="EBEBEB"/>
+                    </a:solidFill>
+                  </a:tcPr>
+                </a:tc>
+              </a:tr>
+              <a:tr h="457253">
+                <a:tc>
+                  <a:txBody>
+                    <a:bodyPr/>
+                    <a:lstStyle/>
+                    <a:p>
+                      <a:pPr defTabSz="914400">
+                        <a:defRPr sz="1800"/>
+                      </a:pPr>
+                      <a:r>
+                        <a:rPr sz="1200" dirty="0" smtClean="0">
+                          <a:latin typeface="Source Sans Pro"/>
+                          <a:ea typeface="Source Sans Pro"/>
+                          <a:cs typeface="Source Sans Pro"/>
+                          <a:sym typeface="Source Sans Pro"/>
+                        </a:rPr>
+                        <a:t>Introduction</a:t>
+                      </a:r>
+                      <a:endParaRPr sz="1200" dirty="0">
+                        <a:latin typeface="Source Sans Pro"/>
+                        <a:ea typeface="Source Sans Pro"/>
+                        <a:cs typeface="Source Sans Pro"/>
+                        <a:sym typeface="Source Sans Pro"/>
+                      </a:endParaRPr>
+                    </a:p>
+                  </a:txBody>
+                  <a:tcPr marL="22121" marR="22121" marT="22121" marB="22121" anchor="ctr" horzOverflow="overflow">
+                    <a:lnL w="63500">
+                      <a:solidFill>
+                        <a:srgbClr val="FFFFFF"/>
+                      </a:solidFill>
+                      <a:miter lim="400000"/>
+                    </a:lnL>
+                    <a:lnR w="63500">
+                      <a:solidFill>
+                        <a:srgbClr val="FFFFFF"/>
+                      </a:solidFill>
+                      <a:miter lim="400000"/>
+                    </a:lnR>
+                    <a:lnT w="63500" cap="flat" cmpd="sng" algn="ctr">
+                      <a:solidFill>
+                        <a:srgbClr val="FFFFFF"/>
+                      </a:solidFill>
+                      <a:prstDash val="solid"/>
+                      <a:miter lim="400000"/>
+                      <a:headEnd type="none" w="med" len="med"/>
+                      <a:tailEnd type="none" w="med" len="med"/>
                     </a:lnT>
                     <a:lnB w="63500">
                       <a:solidFill>
@@ -5716,16 +5827,7 @@
                           <a:cs typeface="Source Sans Pro"/>
                           <a:sym typeface="Source Sans Pro"/>
                         </a:rPr>
-                        <a:t>09:30 </a:t>
-                      </a:r>
-                      <a:r>
-                        <a:rPr lang="en-US" sz="1000" dirty="0" smtClean="0">
-                          <a:latin typeface="Source Sans Pro"/>
-                          <a:ea typeface="Source Sans Pro"/>
-                          <a:cs typeface="Source Sans Pro"/>
-                          <a:sym typeface="Source Sans Pro"/>
-                        </a:rPr>
-                        <a:t>–</a:t>
+                        <a:t>09:30 –</a:t>
                       </a:r>
                       <a:r>
                         <a:rPr sz="1000" dirty="0" smtClean="0">
@@ -5766,11 +5868,14 @@
                       </a:solidFill>
                       <a:miter lim="400000"/>
                     </a:lnR>
-                    <a:lnT w="63500">
-                      <a:solidFill>
-                        <a:srgbClr val="FFFFFF"/>
-                      </a:solidFill>
-                      <a:miter lim="400000"/>
+                    <a:lnT w="63500" cap="flat" cmpd="sng" algn="ctr">
+                      <a:solidFill>
+                        <a:srgbClr val="FFFFFF"/>
+                      </a:solidFill>
+                      <a:prstDash val="solid"/>
+                      <a:miter lim="400000"/>
+                      <a:headEnd type="none" w="med" len="med"/>
+                      <a:tailEnd type="none" w="med" len="med"/>
                     </a:lnT>
                     <a:lnB w="63500">
                       <a:solidFill>
@@ -6730,14 +6835,14 @@
           <p:nvPr>
             <p:extLst>
               <p:ext uri="{D42A27DB-BD31-4B8C-83A1-F6EECF244321}">
-                <p14:modId xmlns:p14="http://schemas.microsoft.com/office/powerpoint/2010/main" val="15420028"/>
+                <p14:modId xmlns:p14="http://schemas.microsoft.com/office/powerpoint/2010/main" val="628295003"/>
               </p:ext>
             </p:extLst>
           </p:nvPr>
         </p:nvGraphicFramePr>
         <p:xfrm>
-          <a:off x="4622800" y="2497284"/>
-          <a:ext cx="2311400" cy="2464184"/>
+          <a:off x="4470400" y="3106884"/>
+          <a:ext cx="2311400" cy="2921437"/>
         </p:xfrm>
         <a:graphic>
           <a:graphicData uri="http://schemas.openxmlformats.org/drawingml/2006/table">
@@ -6747,6 +6852,132 @@
                 <a:gridCol w="1363448"/>
                 <a:gridCol w="947952"/>
               </a:tblGrid>
+              <a:tr h="457253">
+                <a:tc gridSpan="2">
+                  <a:txBody>
+                    <a:bodyPr/>
+                    <a:lstStyle/>
+                    <a:p>
+                      <a:pPr marL="0" marR="0" lvl="0" indent="0" algn="ctr" defTabSz="914400" rtl="0" eaLnBrk="1" fontAlgn="auto" latinLnBrk="0" hangingPunct="1">
+                        <a:lnSpc>
+                          <a:spcPct val="100000"/>
+                        </a:lnSpc>
+                        <a:spcBef>
+                          <a:spcPts val="0"/>
+                        </a:spcBef>
+                        <a:spcAft>
+                          <a:spcPts val="0"/>
+                        </a:spcAft>
+                        <a:buClrTx/>
+                        <a:buSzTx/>
+                        <a:buFontTx/>
+                        <a:buNone/>
+                        <a:tabLst/>
+                        <a:defRPr sz="1800"/>
+                      </a:pPr>
+                      <a:r>
+                        <a:rPr lang="en-US" sz="1200" dirty="0" smtClean="0">
+                          <a:latin typeface="Source Sans Pro"/>
+                          <a:ea typeface="Source Sans Pro"/>
+                          <a:cs typeface="Source Sans Pro"/>
+                          <a:sym typeface="Source Sans Pro"/>
+                        </a:rPr>
+                        <a:t>Day 2</a:t>
+                      </a:r>
+                      <a:endParaRPr lang="en-US" sz="1200" dirty="0" smtClean="0">
+                        <a:latin typeface="Source Sans Pro"/>
+                        <a:ea typeface="Source Sans Pro"/>
+                        <a:cs typeface="Source Sans Pro"/>
+                        <a:sym typeface="Source Sans Pro"/>
+                      </a:endParaRPr>
+                    </a:p>
+                  </a:txBody>
+                  <a:tcPr marL="22121" marR="22121" marT="22121" marB="22121" anchor="ctr" horzOverflow="overflow">
+                    <a:lnL w="63500">
+                      <a:solidFill>
+                        <a:srgbClr val="FFFFFF"/>
+                      </a:solidFill>
+                      <a:miter lim="400000"/>
+                    </a:lnL>
+                    <a:lnR w="63500" cap="flat" cmpd="sng" algn="ctr">
+                      <a:solidFill>
+                        <a:srgbClr val="FFFFFF"/>
+                      </a:solidFill>
+                      <a:prstDash val="solid"/>
+                      <a:miter lim="400000"/>
+                      <a:headEnd type="none" w="med" len="med"/>
+                      <a:tailEnd type="none" w="med" len="med"/>
+                    </a:lnR>
+                    <a:lnT w="63500">
+                      <a:solidFill>
+                        <a:srgbClr val="FFFFFF"/>
+                      </a:solidFill>
+                      <a:miter lim="400000"/>
+                    </a:lnT>
+                    <a:lnB w="63500" cap="flat" cmpd="sng" algn="ctr">
+                      <a:solidFill>
+                        <a:srgbClr val="FFFFFF"/>
+                      </a:solidFill>
+                      <a:prstDash val="solid"/>
+                      <a:miter lim="400000"/>
+                      <a:headEnd type="none" w="med" len="med"/>
+                      <a:tailEnd type="none" w="med" len="med"/>
+                    </a:lnB>
+                    <a:solidFill>
+                      <a:srgbClr val="EBEBEB"/>
+                    </a:solidFill>
+                  </a:tcPr>
+                </a:tc>
+                <a:tc hMerge="1">
+                  <a:txBody>
+                    <a:bodyPr/>
+                    <a:lstStyle/>
+                    <a:p>
+                      <a:pPr defTabSz="914400">
+                        <a:defRPr sz="1800"/>
+                      </a:pPr>
+                      <a:endParaRPr sz="1000" dirty="0">
+                        <a:latin typeface="Source Sans Pro"/>
+                        <a:ea typeface="Source Sans Pro"/>
+                        <a:cs typeface="Source Sans Pro"/>
+                        <a:sym typeface="Source Sans Pro"/>
+                      </a:endParaRPr>
+                    </a:p>
+                  </a:txBody>
+                  <a:tcPr marL="22121" marR="22121" marT="22121" marB="22121" anchor="ctr" horzOverflow="overflow">
+                    <a:lnL w="63500" cap="flat" cmpd="sng" algn="ctr">
+                      <a:solidFill>
+                        <a:srgbClr val="FFFFFF"/>
+                      </a:solidFill>
+                      <a:prstDash val="solid"/>
+                      <a:miter lim="400000"/>
+                      <a:headEnd type="none" w="med" len="med"/>
+                      <a:tailEnd type="none" w="med" len="med"/>
+                    </a:lnL>
+                    <a:lnR w="63500">
+                      <a:solidFill>
+                        <a:srgbClr val="FFFFFF"/>
+                      </a:solidFill>
+                      <a:miter lim="400000"/>
+                    </a:lnR>
+                    <a:lnT w="63500">
+                      <a:solidFill>
+                        <a:srgbClr val="FFFFFF"/>
+                      </a:solidFill>
+                      <a:miter lim="400000"/>
+                    </a:lnT>
+                    <a:lnB w="63500">
+                      <a:solidFill>
+                        <a:srgbClr val="FFFFFF"/>
+                      </a:solidFill>
+                      <a:miter lim="400000"/>
+                    </a:lnB>
+                    <a:solidFill>
+                      <a:srgbClr val="EBEBEB"/>
+                    </a:solidFill>
+                  </a:tcPr>
+                </a:tc>
+              </a:tr>
               <a:tr h="457253">
                 <a:tc>
                   <a:txBody>
@@ -6794,11 +7025,14 @@
                       </a:solidFill>
                       <a:miter lim="400000"/>
                     </a:lnR>
-                    <a:lnT w="63500">
-                      <a:solidFill>
-                        <a:srgbClr val="FFFFFF"/>
-                      </a:solidFill>
-                      <a:miter lim="400000"/>
+                    <a:lnT w="63500" cap="flat" cmpd="sng" algn="ctr">
+                      <a:solidFill>
+                        <a:srgbClr val="FFFFFF"/>
+                      </a:solidFill>
+                      <a:prstDash val="solid"/>
+                      <a:miter lim="400000"/>
+                      <a:headEnd type="none" w="med" len="med"/>
+                      <a:tailEnd type="none" w="med" len="med"/>
                     </a:lnT>
                     <a:lnB w="63500">
                       <a:solidFill>
@@ -6826,16 +7060,7 @@
                           <a:cs typeface="Source Sans Pro"/>
                           <a:sym typeface="Source Sans Pro"/>
                         </a:rPr>
-                        <a:t>09:30 </a:t>
-                      </a:r>
-                      <a:r>
-                        <a:rPr lang="en-US" sz="1000" dirty="0" smtClean="0">
-                          <a:latin typeface="Source Sans Pro"/>
-                          <a:ea typeface="Source Sans Pro"/>
-                          <a:cs typeface="Source Sans Pro"/>
-                          <a:sym typeface="Source Sans Pro"/>
-                        </a:rPr>
-                        <a:t>–</a:t>
+                        <a:t>09:30 –</a:t>
                       </a:r>
                       <a:r>
                         <a:rPr sz="1000" dirty="0" smtClean="0">
@@ -6876,11 +7101,14 @@
                       </a:solidFill>
                       <a:miter lim="400000"/>
                     </a:lnR>
-                    <a:lnT w="63500">
-                      <a:solidFill>
-                        <a:srgbClr val="FFFFFF"/>
-                      </a:solidFill>
-                      <a:miter lim="400000"/>
+                    <a:lnT w="63500" cap="flat" cmpd="sng" algn="ctr">
+                      <a:solidFill>
+                        <a:srgbClr val="FFFFFF"/>
+                      </a:solidFill>
+                      <a:prstDash val="solid"/>
+                      <a:miter lim="400000"/>
+                      <a:headEnd type="none" w="med" len="med"/>
+                      <a:tailEnd type="none" w="med" len="med"/>
                     </a:lnT>
                     <a:lnB w="63500">
                       <a:solidFill>
@@ -7079,12 +7307,6 @@
                         </a:rPr>
                         <a:t>Distributed Data</a:t>
                       </a:r>
-                      <a:endParaRPr lang="en-US" sz="1200" dirty="0" smtClean="0">
-                        <a:latin typeface="Source Sans Pro"/>
-                        <a:ea typeface="Source Sans Pro"/>
-                        <a:cs typeface="Source Sans Pro"/>
-                        <a:sym typeface="Source Sans Pro"/>
-                      </a:endParaRPr>
                     </a:p>
                   </a:txBody>
                   <a:tcPr marL="22121" marR="22121" marT="22121" marB="22121" anchor="ctr" horzOverflow="overflow">
@@ -7399,12 +7621,6 @@
                         </a:rPr>
                         <a:t>Distributed Data</a:t>
                       </a:r>
-                      <a:endParaRPr lang="en-US" sz="1200" dirty="0" smtClean="0">
-                        <a:latin typeface="Source Sans Pro"/>
-                        <a:ea typeface="Source Sans Pro"/>
-                        <a:cs typeface="Source Sans Pro"/>
-                        <a:sym typeface="Source Sans Pro"/>
-                      </a:endParaRPr>
                     </a:p>
                   </a:txBody>
                   <a:tcPr marL="22121" marR="22121" marT="22121" marB="22121" anchor="ctr" horzOverflow="overflow">
@@ -7864,14 +8080,14 @@
           <p:nvPr>
             <p:extLst>
               <p:ext uri="{D42A27DB-BD31-4B8C-83A1-F6EECF244321}">
-                <p14:modId xmlns:p14="http://schemas.microsoft.com/office/powerpoint/2010/main" val="1657504566"/>
+                <p14:modId xmlns:p14="http://schemas.microsoft.com/office/powerpoint/2010/main" val="1483789311"/>
               </p:ext>
             </p:extLst>
           </p:nvPr>
         </p:nvGraphicFramePr>
         <p:xfrm>
-          <a:off x="7865533" y="2497284"/>
-          <a:ext cx="2311400" cy="2464184"/>
+          <a:off x="7713133" y="3106884"/>
+          <a:ext cx="2311400" cy="2921437"/>
         </p:xfrm>
         <a:graphic>
           <a:graphicData uri="http://schemas.openxmlformats.org/drawingml/2006/table">
@@ -7882,12 +8098,12 @@
                 <a:gridCol w="947952"/>
               </a:tblGrid>
               <a:tr h="457253">
-                <a:tc>
+                <a:tc gridSpan="2">
                   <a:txBody>
                     <a:bodyPr/>
                     <a:lstStyle/>
                     <a:p>
-                      <a:pPr defTabSz="914400">
+                      <a:pPr algn="ctr" defTabSz="914400">
                         <a:defRPr sz="1800"/>
                       </a:pPr>
                       <a:r>
@@ -7897,16 +8113,7 @@
                           <a:cs typeface="Source Sans Pro"/>
                           <a:sym typeface="Source Sans Pro"/>
                         </a:rPr>
-                        <a:t>Intro to Hadoop</a:t>
-                      </a:r>
-                      <a:r>
-                        <a:rPr lang="en-US" sz="1200" baseline="0" dirty="0" smtClean="0">
-                          <a:latin typeface="Source Sans Pro"/>
-                          <a:ea typeface="Source Sans Pro"/>
-                          <a:cs typeface="Source Sans Pro"/>
-                          <a:sym typeface="Source Sans Pro"/>
-                        </a:rPr>
-                        <a:t> and Spark</a:t>
+                        <a:t>Day 3</a:t>
                       </a:r>
                       <a:endParaRPr sz="1200" dirty="0">
                         <a:latin typeface="Source Sans Pro"/>
@@ -7923,17 +8130,141 @@
                       </a:solidFill>
                       <a:miter lim="400000"/>
                     </a:lnL>
-                    <a:lnR w="63500">
-                      <a:solidFill>
-                        <a:srgbClr val="FFFFFF"/>
-                      </a:solidFill>
-                      <a:miter lim="400000"/>
+                    <a:lnR w="63500" cap="flat" cmpd="sng" algn="ctr">
+                      <a:solidFill>
+                        <a:srgbClr val="FFFFFF"/>
+                      </a:solidFill>
+                      <a:prstDash val="solid"/>
+                      <a:miter lim="400000"/>
+                      <a:headEnd type="none" w="med" len="med"/>
+                      <a:tailEnd type="none" w="med" len="med"/>
                     </a:lnR>
                     <a:lnT w="63500">
                       <a:solidFill>
                         <a:srgbClr val="FFFFFF"/>
                       </a:solidFill>
                       <a:miter lim="400000"/>
+                    </a:lnT>
+                    <a:lnB w="63500" cap="flat" cmpd="sng" algn="ctr">
+                      <a:solidFill>
+                        <a:srgbClr val="FFFFFF"/>
+                      </a:solidFill>
+                      <a:prstDash val="solid"/>
+                      <a:miter lim="400000"/>
+                      <a:headEnd type="none" w="med" len="med"/>
+                      <a:tailEnd type="none" w="med" len="med"/>
+                    </a:lnB>
+                    <a:solidFill>
+                      <a:srgbClr val="EBEBEB"/>
+                    </a:solidFill>
+                  </a:tcPr>
+                </a:tc>
+                <a:tc hMerge="1">
+                  <a:txBody>
+                    <a:bodyPr/>
+                    <a:lstStyle/>
+                    <a:p>
+                      <a:pPr defTabSz="914400">
+                        <a:defRPr sz="1800"/>
+                      </a:pPr>
+                      <a:endParaRPr sz="1000" dirty="0">
+                        <a:latin typeface="Source Sans Pro"/>
+                        <a:ea typeface="Source Sans Pro"/>
+                        <a:cs typeface="Source Sans Pro"/>
+                        <a:sym typeface="Source Sans Pro"/>
+                      </a:endParaRPr>
+                    </a:p>
+                  </a:txBody>
+                  <a:tcPr marL="22121" marR="22121" marT="22121" marB="22121" anchor="ctr" horzOverflow="overflow">
+                    <a:lnL w="63500" cap="flat" cmpd="sng" algn="ctr">
+                      <a:solidFill>
+                        <a:srgbClr val="FFFFFF"/>
+                      </a:solidFill>
+                      <a:prstDash val="solid"/>
+                      <a:miter lim="400000"/>
+                      <a:headEnd type="none" w="med" len="med"/>
+                      <a:tailEnd type="none" w="med" len="med"/>
+                    </a:lnL>
+                    <a:lnR w="63500">
+                      <a:solidFill>
+                        <a:srgbClr val="FFFFFF"/>
+                      </a:solidFill>
+                      <a:miter lim="400000"/>
+                    </a:lnR>
+                    <a:lnT w="63500">
+                      <a:solidFill>
+                        <a:srgbClr val="FFFFFF"/>
+                      </a:solidFill>
+                      <a:miter lim="400000"/>
+                    </a:lnT>
+                    <a:lnB w="63500">
+                      <a:solidFill>
+                        <a:srgbClr val="FFFFFF"/>
+                      </a:solidFill>
+                      <a:miter lim="400000"/>
+                    </a:lnB>
+                    <a:solidFill>
+                      <a:srgbClr val="EBEBEB"/>
+                    </a:solidFill>
+                  </a:tcPr>
+                </a:tc>
+              </a:tr>
+              <a:tr h="457253">
+                <a:tc>
+                  <a:txBody>
+                    <a:bodyPr/>
+                    <a:lstStyle/>
+                    <a:p>
+                      <a:pPr defTabSz="914400">
+                        <a:defRPr sz="1800"/>
+                      </a:pPr>
+                      <a:r>
+                        <a:rPr lang="en-US" sz="1200" dirty="0" smtClean="0">
+                          <a:latin typeface="Source Sans Pro"/>
+                          <a:ea typeface="Source Sans Pro"/>
+                          <a:cs typeface="Source Sans Pro"/>
+                          <a:sym typeface="Source Sans Pro"/>
+                        </a:rPr>
+                        <a:t>Intro to Hadoop</a:t>
+                      </a:r>
+                      <a:r>
+                        <a:rPr lang="en-US" sz="1200" baseline="0" dirty="0" smtClean="0">
+                          <a:latin typeface="Source Sans Pro"/>
+                          <a:ea typeface="Source Sans Pro"/>
+                          <a:cs typeface="Source Sans Pro"/>
+                          <a:sym typeface="Source Sans Pro"/>
+                        </a:rPr>
+                        <a:t> and Spark</a:t>
+                      </a:r>
+                      <a:endParaRPr sz="1200" dirty="0">
+                        <a:latin typeface="Source Sans Pro"/>
+                        <a:ea typeface="Source Sans Pro"/>
+                        <a:cs typeface="Source Sans Pro"/>
+                        <a:sym typeface="Source Sans Pro"/>
+                      </a:endParaRPr>
+                    </a:p>
+                  </a:txBody>
+                  <a:tcPr marL="22121" marR="22121" marT="22121" marB="22121" anchor="ctr" horzOverflow="overflow">
+                    <a:lnL w="63500">
+                      <a:solidFill>
+                        <a:srgbClr val="FFFFFF"/>
+                      </a:solidFill>
+                      <a:miter lim="400000"/>
+                    </a:lnL>
+                    <a:lnR w="63500">
+                      <a:solidFill>
+                        <a:srgbClr val="FFFFFF"/>
+                      </a:solidFill>
+                      <a:miter lim="400000"/>
+                    </a:lnR>
+                    <a:lnT w="63500" cap="flat" cmpd="sng" algn="ctr">
+                      <a:solidFill>
+                        <a:srgbClr val="FFFFFF"/>
+                      </a:solidFill>
+                      <a:prstDash val="solid"/>
+                      <a:miter lim="400000"/>
+                      <a:headEnd type="none" w="med" len="med"/>
+                      <a:tailEnd type="none" w="med" len="med"/>
                     </a:lnT>
                     <a:lnB w="63500">
                       <a:solidFill>
@@ -7961,16 +8292,7 @@
                           <a:cs typeface="Source Sans Pro"/>
                           <a:sym typeface="Source Sans Pro"/>
                         </a:rPr>
-                        <a:t>09:30 </a:t>
-                      </a:r>
-                      <a:r>
-                        <a:rPr lang="en-US" sz="1000" dirty="0" smtClean="0">
-                          <a:latin typeface="Source Sans Pro"/>
-                          <a:ea typeface="Source Sans Pro"/>
-                          <a:cs typeface="Source Sans Pro"/>
-                          <a:sym typeface="Source Sans Pro"/>
-                        </a:rPr>
-                        <a:t>–</a:t>
+                        <a:t>09:30 –</a:t>
                       </a:r>
                       <a:r>
                         <a:rPr sz="1000" dirty="0" smtClean="0">
@@ -8011,11 +8333,14 @@
                       </a:solidFill>
                       <a:miter lim="400000"/>
                     </a:lnR>
-                    <a:lnT w="63500">
-                      <a:solidFill>
-                        <a:srgbClr val="FFFFFF"/>
-                      </a:solidFill>
-                      <a:miter lim="400000"/>
+                    <a:lnT w="63500" cap="flat" cmpd="sng" algn="ctr">
+                      <a:solidFill>
+                        <a:srgbClr val="FFFFFF"/>
+                      </a:solidFill>
+                      <a:prstDash val="solid"/>
+                      <a:miter lim="400000"/>
+                      <a:headEnd type="none" w="med" len="med"/>
+                      <a:tailEnd type="none" w="med" len="med"/>
                     </a:lnT>
                     <a:lnB w="63500">
                       <a:solidFill>
